--- a/images/database.pptx
+++ b/images/database.pptx
@@ -1725,7 +1725,7 @@
         <a:p>
           <a:r>
             <a:rPr lang="en-US" dirty="0"/>
-            <a:t>3889 traits</a:t>
+            <a:t>1628 traits</a:t>
           </a:r>
         </a:p>
       </dgm:t>
@@ -2459,7 +2459,7 @@
         <a:p>
           <a:r>
             <a:rPr lang="en-US" dirty="0"/>
-            <a:t>1733 datasets</a:t>
+            <a:t>1566 datasets</a:t>
           </a:r>
         </a:p>
       </dgm:t>
@@ -2783,7 +2783,7 @@
               <a:ea typeface="Helvetica" charset="0"/>
               <a:cs typeface="Helvetica" charset="0"/>
             </a:rPr>
-            <a:t>144 complex diseases</a:t>
+            <a:t>89 complex diseases</a:t>
           </a:r>
         </a:p>
       </dgm:t>
@@ -2838,7 +2838,7 @@
               <a:ea typeface="Helvetica" charset="0"/>
               <a:cs typeface="Helvetica" charset="0"/>
             </a:rPr>
-            <a:t>266 complex traits</a:t>
+            <a:t>154 complex traits</a:t>
           </a:r>
         </a:p>
       </dgm:t>
@@ -2874,7 +2874,7 @@
         <a:p>
           <a:r>
             <a:rPr lang="en-US" dirty="0"/>
-            <a:t> neoplastic</a:t>
+            <a:t> 9 neoplastic</a:t>
           </a:r>
         </a:p>
       </dgm:t>
@@ -2910,7 +2910,7 @@
         <a:p>
           <a:r>
             <a:rPr lang="en-US" dirty="0"/>
-            <a:t> psychiatric</a:t>
+            <a:t> 19 psychiatric</a:t>
           </a:r>
         </a:p>
       </dgm:t>
@@ -2946,7 +2946,7 @@
         <a:p>
           <a:r>
             <a:rPr lang="en-US" dirty="0"/>
-            <a:t> inflammatory</a:t>
+            <a:t> 45 inflammatory</a:t>
           </a:r>
         </a:p>
       </dgm:t>
@@ -2982,7 +2982,7 @@
         <a:p>
           <a:r>
             <a:rPr lang="en-US" dirty="0"/>
-            <a:t> cardiovascular</a:t>
+            <a:t> 6 cardiovascular</a:t>
           </a:r>
         </a:p>
       </dgm:t>
@@ -3018,7 +3018,7 @@
         <a:p>
           <a:r>
             <a:rPr lang="en-US" dirty="0"/>
-            <a:t> diabetic</a:t>
+            <a:t> 4 diabetic</a:t>
           </a:r>
         </a:p>
       </dgm:t>
@@ -3054,7 +3054,7 @@
         <a:p>
           <a:r>
             <a:rPr lang="en-US" dirty="0"/>
-            <a:t> other</a:t>
+            <a:t> 6 other</a:t>
           </a:r>
         </a:p>
       </dgm:t>
@@ -3090,7 +3090,7 @@
         <a:p>
           <a:r>
             <a:rPr lang="en-US" dirty="0"/>
-            <a:t> anthropometric</a:t>
+            <a:t> 75 anthropometric</a:t>
           </a:r>
         </a:p>
       </dgm:t>
@@ -3126,7 +3126,7 @@
         <a:p>
           <a:r>
             <a:rPr lang="en-US" dirty="0"/>
-            <a:t> </a:t>
+            <a:t> 6 </a:t>
           </a:r>
           <a:r>
             <a:rPr lang="en-US" dirty="0" err="1"/>
@@ -3167,7 +3167,7 @@
         <a:p>
           <a:r>
             <a:rPr lang="en-US" dirty="0"/>
-            <a:t> </a:t>
+            <a:t> 24 </a:t>
           </a:r>
           <a:r>
             <a:rPr lang="en-US" dirty="0" err="1"/>
@@ -3208,7 +3208,7 @@
         <a:p>
           <a:r>
             <a:rPr lang="en-US" dirty="0"/>
-            <a:t> lipid</a:t>
+            <a:t> 9 lipid</a:t>
           </a:r>
         </a:p>
       </dgm:t>
@@ -3244,7 +3244,7 @@
         <a:p>
           <a:r>
             <a:rPr lang="en-US" dirty="0"/>
-            <a:t> blood pressure</a:t>
+            <a:t> 4 blood pressure</a:t>
           </a:r>
         </a:p>
       </dgm:t>
@@ -3280,7 +3280,7 @@
         <a:p>
           <a:r>
             <a:rPr lang="en-US" dirty="0"/>
-            <a:t> </a:t>
+            <a:t> 6 </a:t>
           </a:r>
           <a:r>
             <a:rPr lang="en-US" dirty="0" err="1"/>
@@ -3321,7 +3321,7 @@
         <a:p>
           <a:r>
             <a:rPr lang="en-US" dirty="0"/>
-            <a:t> other</a:t>
+            <a:t> 30 other</a:t>
           </a:r>
         </a:p>
       </dgm:t>
@@ -3981,7 +3981,7 @@
           </a:pPr>
           <a:r>
             <a:rPr lang="en-US" sz="1400" kern="1200" dirty="0"/>
-            <a:t>3889 traits</a:t>
+            <a:t>1628 traits</a:t>
           </a:r>
         </a:p>
       </dsp:txBody>
@@ -4854,7 +4854,7 @@
           </a:pPr>
           <a:r>
             <a:rPr lang="en-US" sz="1400" kern="1200" dirty="0"/>
-            <a:t>1733 datasets</a:t>
+            <a:t>1566 datasets</a:t>
           </a:r>
         </a:p>
       </dsp:txBody>
@@ -5170,7 +5170,7 @@
           </a:pPr>
           <a:r>
             <a:rPr lang="en-US" sz="1000" kern="1200" dirty="0"/>
-            <a:t> neoplastic</a:t>
+            <a:t> 9 neoplastic</a:t>
           </a:r>
         </a:p>
         <a:p>
@@ -5188,7 +5188,7 @@
           </a:pPr>
           <a:r>
             <a:rPr lang="en-US" sz="1000" kern="1200" dirty="0"/>
-            <a:t> psychiatric</a:t>
+            <a:t> 19 psychiatric</a:t>
           </a:r>
         </a:p>
         <a:p>
@@ -5206,7 +5206,7 @@
           </a:pPr>
           <a:r>
             <a:rPr lang="en-US" sz="1000" kern="1200" dirty="0"/>
-            <a:t> inflammatory</a:t>
+            <a:t> 45 inflammatory</a:t>
           </a:r>
         </a:p>
         <a:p>
@@ -5224,7 +5224,7 @@
           </a:pPr>
           <a:r>
             <a:rPr lang="en-US" sz="1000" kern="1200" dirty="0"/>
-            <a:t> cardiovascular</a:t>
+            <a:t> 6 cardiovascular</a:t>
           </a:r>
         </a:p>
         <a:p>
@@ -5242,7 +5242,7 @@
           </a:pPr>
           <a:r>
             <a:rPr lang="en-US" sz="1000" kern="1200" dirty="0"/>
-            <a:t> diabetic</a:t>
+            <a:t> 4 diabetic</a:t>
           </a:r>
         </a:p>
         <a:p>
@@ -5260,7 +5260,7 @@
           </a:pPr>
           <a:r>
             <a:rPr lang="en-US" sz="1000" kern="1200" dirty="0"/>
-            <a:t> other</a:t>
+            <a:t> 6 other</a:t>
           </a:r>
         </a:p>
       </dsp:txBody>
@@ -5332,7 +5332,7 @@
               <a:ea typeface="Helvetica" charset="0"/>
               <a:cs typeface="Helvetica" charset="0"/>
             </a:rPr>
-            <a:t>144 complex diseases</a:t>
+            <a:t>89 complex diseases</a:t>
           </a:r>
         </a:p>
       </dsp:txBody>
@@ -5409,7 +5409,7 @@
           </a:pPr>
           <a:r>
             <a:rPr lang="en-US" sz="1000" kern="1200" dirty="0"/>
-            <a:t> anthropometric</a:t>
+            <a:t> 75 anthropometric</a:t>
           </a:r>
         </a:p>
         <a:p>
@@ -5427,7 +5427,7 @@
           </a:pPr>
           <a:r>
             <a:rPr lang="en-US" sz="1000" kern="1200" dirty="0"/>
-            <a:t> </a:t>
+            <a:t> 6 </a:t>
           </a:r>
           <a:r>
             <a:rPr lang="en-US" sz="1000" kern="1200" dirty="0" err="1"/>
@@ -5450,7 +5450,7 @@
           </a:pPr>
           <a:r>
             <a:rPr lang="en-US" sz="1000" kern="1200" dirty="0"/>
-            <a:t> </a:t>
+            <a:t> 24 </a:t>
           </a:r>
           <a:r>
             <a:rPr lang="en-US" sz="1000" kern="1200" dirty="0" err="1"/>
@@ -5473,7 +5473,7 @@
           </a:pPr>
           <a:r>
             <a:rPr lang="en-US" sz="1000" kern="1200" dirty="0"/>
-            <a:t> lipid</a:t>
+            <a:t> 9 lipid</a:t>
           </a:r>
         </a:p>
         <a:p>
@@ -5491,7 +5491,7 @@
           </a:pPr>
           <a:r>
             <a:rPr lang="en-US" sz="1000" kern="1200" dirty="0"/>
-            <a:t> blood pressure</a:t>
+            <a:t> 4 blood pressure</a:t>
           </a:r>
         </a:p>
         <a:p>
@@ -5509,7 +5509,7 @@
           </a:pPr>
           <a:r>
             <a:rPr lang="en-US" sz="1000" kern="1200" dirty="0"/>
-            <a:t> </a:t>
+            <a:t> 6 </a:t>
           </a:r>
           <a:r>
             <a:rPr lang="en-US" sz="1000" kern="1200" dirty="0" err="1"/>
@@ -5532,7 +5532,7 @@
           </a:pPr>
           <a:r>
             <a:rPr lang="en-US" sz="1000" kern="1200" dirty="0"/>
-            <a:t> other</a:t>
+            <a:t> 30 other</a:t>
           </a:r>
         </a:p>
       </dsp:txBody>
@@ -5604,7 +5604,7 @@
               <a:ea typeface="Helvetica" charset="0"/>
               <a:cs typeface="Helvetica" charset="0"/>
             </a:rPr>
-            <a:t>266 complex traits</a:t>
+            <a:t>154 complex traits</a:t>
           </a:r>
         </a:p>
       </dsp:txBody>
@@ -11970,7 +11970,7 @@
           <p:nvPr>
             <p:extLst>
               <p:ext uri="{D42A27DB-BD31-4B8C-83A1-F6EECF244321}">
-                <p14:modId xmlns:p14="http://schemas.microsoft.com/office/powerpoint/2010/main" val="35409348"/>
+                <p14:modId xmlns:p14="http://schemas.microsoft.com/office/powerpoint/2010/main" val="1302135101"/>
               </p:ext>
             </p:extLst>
           </p:nvPr>
@@ -12028,7 +12028,7 @@
           <p:nvPr>
             <p:extLst>
               <p:ext uri="{D42A27DB-BD31-4B8C-83A1-F6EECF244321}">
-                <p14:modId xmlns:p14="http://schemas.microsoft.com/office/powerpoint/2010/main" val="2193740390"/>
+                <p14:modId xmlns:p14="http://schemas.microsoft.com/office/powerpoint/2010/main" val="2128161766"/>
               </p:ext>
             </p:extLst>
           </p:nvPr>

--- a/images/database.pptx
+++ b/images/database.pptx
@@ -2459,7 +2459,7 @@
         <a:p>
           <a:r>
             <a:rPr lang="en-US" dirty="0"/>
-            <a:t>1566 datasets</a:t>
+            <a:t>1674 datasets</a:t>
           </a:r>
         </a:p>
       </dgm:t>
@@ -2783,7 +2783,7 @@
               <a:ea typeface="Helvetica" charset="0"/>
               <a:cs typeface="Helvetica" charset="0"/>
             </a:rPr>
-            <a:t>89 complex diseases</a:t>
+            <a:t>123 complex diseases</a:t>
           </a:r>
         </a:p>
       </dgm:t>
@@ -2838,7 +2838,7 @@
               <a:ea typeface="Helvetica" charset="0"/>
               <a:cs typeface="Helvetica" charset="0"/>
             </a:rPr>
-            <a:t>154 complex traits</a:t>
+            <a:t>219 complex traits</a:t>
           </a:r>
         </a:p>
       </dgm:t>
@@ -2874,7 +2874,7 @@
         <a:p>
           <a:r>
             <a:rPr lang="en-US" dirty="0"/>
-            <a:t> 9 neoplastic</a:t>
+            <a:t> 15 neoplastic</a:t>
           </a:r>
         </a:p>
       </dgm:t>
@@ -2910,7 +2910,7 @@
         <a:p>
           <a:r>
             <a:rPr lang="en-US" dirty="0"/>
-            <a:t> 19 psychiatric</a:t>
+            <a:t> 20 psychiatric</a:t>
           </a:r>
         </a:p>
       </dgm:t>
@@ -2946,7 +2946,7 @@
         <a:p>
           <a:r>
             <a:rPr lang="en-US" dirty="0"/>
-            <a:t> 45 inflammatory</a:t>
+            <a:t> 50 inflammatory</a:t>
           </a:r>
         </a:p>
       </dgm:t>
@@ -2982,7 +2982,7 @@
         <a:p>
           <a:r>
             <a:rPr lang="en-US" dirty="0"/>
-            <a:t> 6 cardiovascular</a:t>
+            <a:t> 11 cardiovascular</a:t>
           </a:r>
         </a:p>
       </dgm:t>
@@ -3018,7 +3018,7 @@
         <a:p>
           <a:r>
             <a:rPr lang="en-US" dirty="0"/>
-            <a:t> 4 diabetic</a:t>
+            <a:t> 5 diabetic</a:t>
           </a:r>
         </a:p>
       </dgm:t>
@@ -3054,7 +3054,7 @@
         <a:p>
           <a:r>
             <a:rPr lang="en-US" dirty="0"/>
-            <a:t> 6 other</a:t>
+            <a:t> 22 other</a:t>
           </a:r>
         </a:p>
       </dgm:t>
@@ -3090,7 +3090,7 @@
         <a:p>
           <a:r>
             <a:rPr lang="en-US" dirty="0"/>
-            <a:t> 75 anthropometric</a:t>
+            <a:t> 91 anthropometric</a:t>
           </a:r>
         </a:p>
       </dgm:t>
@@ -3126,7 +3126,7 @@
         <a:p>
           <a:r>
             <a:rPr lang="en-US" dirty="0"/>
-            <a:t> 6 </a:t>
+            <a:t> 5 </a:t>
           </a:r>
           <a:r>
             <a:rPr lang="en-US" dirty="0" err="1"/>
@@ -3280,7 +3280,7 @@
         <a:p>
           <a:r>
             <a:rPr lang="en-US" dirty="0"/>
-            <a:t> 6 </a:t>
+            <a:t> 8 </a:t>
           </a:r>
           <a:r>
             <a:rPr lang="en-US" dirty="0" err="1"/>
@@ -3321,7 +3321,7 @@
         <a:p>
           <a:r>
             <a:rPr lang="en-US" dirty="0"/>
-            <a:t> 30 other</a:t>
+            <a:t> 61 other</a:t>
           </a:r>
         </a:p>
       </dgm:t>
@@ -3486,7 +3486,7 @@
               <a:ea typeface="Helvetica" charset="0"/>
               <a:cs typeface="Helvetica" charset="0"/>
             </a:rPr>
-            <a:t>597 UK Biobank phenotypes</a:t>
+            <a:t>606 UK Biobank phenotypes</a:t>
           </a:r>
         </a:p>
       </dgm:t>
@@ -3558,6 +3558,42 @@
       </dgm:t>
     </dgm:pt>
     <dgm:pt modelId="{043ADCAE-9133-A54C-9666-48BBB3D6DDC0}" type="sibTrans" cxnId="{952494E0-4645-7742-9D55-296EA8AD1357}">
+      <dgm:prSet/>
+      <dgm:spPr/>
+      <dgm:t>
+        <a:bodyPr/>
+        <a:lstStyle/>
+        <a:p>
+          <a:endParaRPr lang="en-US"/>
+        </a:p>
+      </dgm:t>
+    </dgm:pt>
+    <dgm:pt modelId="{F257B18E-C63B-264E-8F7A-3225C700FF44}">
+      <dgm:prSet phldrT="[Text]"/>
+      <dgm:spPr/>
+      <dgm:t>
+        <a:bodyPr/>
+        <a:lstStyle/>
+        <a:p>
+          <a:r>
+            <a:rPr lang="en-US" dirty="0"/>
+            <a:t> 17 education</a:t>
+          </a:r>
+        </a:p>
+      </dgm:t>
+    </dgm:pt>
+    <dgm:pt modelId="{44C77E63-D7D3-264C-B2F0-46CF9871F076}" type="parTrans" cxnId="{36D7D5BB-685C-8F40-9D25-4989F8690021}">
+      <dgm:prSet/>
+      <dgm:spPr/>
+      <dgm:t>
+        <a:bodyPr/>
+        <a:lstStyle/>
+        <a:p>
+          <a:endParaRPr lang="en-US"/>
+        </a:p>
+      </dgm:t>
+    </dgm:pt>
+    <dgm:pt modelId="{4CFA553B-86CD-8441-A299-916F49DEB575}" type="sibTrans" cxnId="{36D7D5BB-685C-8F40-9D25-4989F8690021}">
       <dgm:prSet/>
       <dgm:spPr/>
       <dgm:t>
@@ -3818,7 +3854,8 @@
     <dgm:cxn modelId="{C5DC0392-AACA-9441-8D87-EB594AFAAA84}" srcId="{F8A3E581-A91C-1F4A-A760-D8A8485E1F01}" destId="{C86B67CB-33C7-164C-904D-3E4B545B07AD}" srcOrd="1" destOrd="0" parTransId="{1E6FBEC4-6CDD-414C-99A4-7D8DF8DBA582}" sibTransId="{8A8C0EC3-DD45-4446-823D-BDB7B9D37708}"/>
     <dgm:cxn modelId="{9870DF96-C672-6D4F-88D1-E9C11B9D747C}" srcId="{ACDA8D30-2B27-1F44-A265-446A8B6594A6}" destId="{EBDCDB3B-3C42-8543-B2ED-BBE5257E9CA7}" srcOrd="3" destOrd="0" parTransId="{D2AE10F5-4BCD-E448-BBFB-095827C74D36}" sibTransId="{D6211017-2D53-D444-A846-5B174A86CED7}"/>
     <dgm:cxn modelId="{BCFC239A-3868-C245-BF34-5966E92B2FA6}" type="presOf" srcId="{ACDA8D30-2B27-1F44-A265-446A8B6594A6}" destId="{69AF2B2A-2966-724F-872C-9B013CC6BC4A}" srcOrd="1" destOrd="0" presId="urn:microsoft.com/office/officeart/2005/8/layout/list1"/>
-    <dgm:cxn modelId="{2A2E4C9B-9034-584A-BF69-736D4E6C5F7D}" srcId="{ACDA8D30-2B27-1F44-A265-446A8B6594A6}" destId="{25EEF30A-9872-6746-900D-E1F2EF535F9C}" srcOrd="6" destOrd="0" parTransId="{AE5F5134-3659-4943-9022-1348F2904FB6}" sibTransId="{1B912AAD-0F85-4541-8F4D-AD6B27EA36B5}"/>
+    <dgm:cxn modelId="{2A2E4C9B-9034-584A-BF69-736D4E6C5F7D}" srcId="{ACDA8D30-2B27-1F44-A265-446A8B6594A6}" destId="{25EEF30A-9872-6746-900D-E1F2EF535F9C}" srcOrd="7" destOrd="0" parTransId="{AE5F5134-3659-4943-9022-1348F2904FB6}" sibTransId="{1B912AAD-0F85-4541-8F4D-AD6B27EA36B5}"/>
+    <dgm:cxn modelId="{8EC5969E-58DB-9C40-BDC2-B84B09CE27E4}" type="presOf" srcId="{F257B18E-C63B-264E-8F7A-3225C700FF44}" destId="{5C533EDB-1304-4546-86AE-FC5D5B540481}" srcOrd="0" destOrd="6" presId="urn:microsoft.com/office/officeart/2005/8/layout/list1"/>
     <dgm:cxn modelId="{95F52DA0-D6E3-2047-8272-4018B55AED21}" type="presOf" srcId="{F8A3E581-A91C-1F4A-A760-D8A8485E1F01}" destId="{AB606F74-A8C5-864C-BD53-501480B0A1EE}" srcOrd="0" destOrd="0" presId="urn:microsoft.com/office/officeart/2005/8/layout/list1"/>
     <dgm:cxn modelId="{F17330AD-1ACC-674E-AD22-9CDB6A9B0C61}" type="presOf" srcId="{4D024906-8E4C-CA43-AF8D-4109D0AE970F}" destId="{7CC5C840-FD51-E34D-A541-CEBD515734E8}" srcOrd="0" destOrd="0" presId="urn:microsoft.com/office/officeart/2005/8/layout/list1"/>
     <dgm:cxn modelId="{A09461AE-141E-1E4A-ABD1-53C3AFE2CA80}" type="presOf" srcId="{C1C11DC4-21ED-F340-A004-C083795624CE}" destId="{F44387DF-7F4E-E44E-9601-37A3FE440FCC}" srcOrd="0" destOrd="3" presId="urn:microsoft.com/office/officeart/2005/8/layout/list1"/>
@@ -3826,7 +3863,8 @@
     <dgm:cxn modelId="{23AAB0AF-6307-2E41-B818-36F7B58AF84A}" type="presOf" srcId="{F8A3E581-A91C-1F4A-A760-D8A8485E1F01}" destId="{57E2818A-D4E2-2E44-BE4D-DA6060C161A8}" srcOrd="1" destOrd="0" presId="urn:microsoft.com/office/officeart/2005/8/layout/list1"/>
     <dgm:cxn modelId="{99C234B0-610A-EA4C-8287-E6312DFD6CD2}" srcId="{F8A3E581-A91C-1F4A-A760-D8A8485E1F01}" destId="{AB1B096A-0629-E741-83BB-0FED6CB0B15F}" srcOrd="2" destOrd="0" parTransId="{1AC5D37D-CA89-F94F-B2D1-319811B4623A}" sibTransId="{EED961A0-0D32-9A42-A4C4-238080A65A35}"/>
     <dgm:cxn modelId="{1F230EBB-B479-154B-BE03-9CBF79803172}" type="presOf" srcId="{609BC513-1E63-0B4B-83ED-91A52D443F95}" destId="{5C533EDB-1304-4546-86AE-FC5D5B540481}" srcOrd="0" destOrd="2" presId="urn:microsoft.com/office/officeart/2005/8/layout/list1"/>
-    <dgm:cxn modelId="{602DBDBB-D70B-DB47-9175-08A745125E09}" type="presOf" srcId="{25EEF30A-9872-6746-900D-E1F2EF535F9C}" destId="{5C533EDB-1304-4546-86AE-FC5D5B540481}" srcOrd="0" destOrd="6" presId="urn:microsoft.com/office/officeart/2005/8/layout/list1"/>
+    <dgm:cxn modelId="{602DBDBB-D70B-DB47-9175-08A745125E09}" type="presOf" srcId="{25EEF30A-9872-6746-900D-E1F2EF535F9C}" destId="{5C533EDB-1304-4546-86AE-FC5D5B540481}" srcOrd="0" destOrd="7" presId="urn:microsoft.com/office/officeart/2005/8/layout/list1"/>
+    <dgm:cxn modelId="{36D7D5BB-685C-8F40-9D25-4989F8690021}" srcId="{ACDA8D30-2B27-1F44-A265-446A8B6594A6}" destId="{F257B18E-C63B-264E-8F7A-3225C700FF44}" srcOrd="6" destOrd="0" parTransId="{44C77E63-D7D3-264C-B2F0-46CF9871F076}" sibTransId="{4CFA553B-86CD-8441-A299-916F49DEB575}"/>
     <dgm:cxn modelId="{D08DAEC1-36F0-774D-8D15-B34D40844E66}" type="presOf" srcId="{4D024906-8E4C-CA43-AF8D-4109D0AE970F}" destId="{087BAC75-508C-1046-BF43-FA8F0FC77955}" srcOrd="1" destOrd="0" presId="urn:microsoft.com/office/officeart/2005/8/layout/list1"/>
     <dgm:cxn modelId="{B042D1C1-5167-0B4F-84C0-D441E87A3295}" type="presOf" srcId="{C86B67CB-33C7-164C-904D-3E4B545B07AD}" destId="{F44387DF-7F4E-E44E-9601-37A3FE440FCC}" srcOrd="0" destOrd="1" presId="urn:microsoft.com/office/officeart/2005/8/layout/list1"/>
     <dgm:cxn modelId="{DBE5DFC6-D6F6-3740-AAC1-C6599F5CAF12}" type="presOf" srcId="{ACDA8D30-2B27-1F44-A265-446A8B6594A6}" destId="{E6634DFE-81E7-7A4A-B964-BC03F3C2387D}" srcOrd="0" destOrd="0" presId="urn:microsoft.com/office/officeart/2005/8/layout/list1"/>
@@ -4854,7 +4892,7 @@
           </a:pPr>
           <a:r>
             <a:rPr lang="en-US" sz="1400" kern="1200" dirty="0"/>
-            <a:t>1566 datasets</a:t>
+            <a:t>1674 datasets</a:t>
           </a:r>
         </a:p>
       </dsp:txBody>
@@ -5109,8 +5147,8 @@
       </dsp:nvSpPr>
       <dsp:spPr>
         <a:xfrm>
-          <a:off x="0" y="218988"/>
-          <a:ext cx="1908114" cy="1260000"/>
+          <a:off x="0" y="375409"/>
+          <a:ext cx="1908114" cy="1134000"/>
         </a:xfrm>
         <a:prstGeom prst="rect">
           <a:avLst/>
@@ -5151,12 +5189,12 @@
         <a:fontRef idx="minor"/>
       </dsp:style>
       <dsp:txBody>
-        <a:bodyPr spcFirstLastPara="0" vert="horz" wrap="square" lIns="218243" tIns="208280" rIns="218243" bIns="71120" numCol="1" spcCol="1270" anchor="t" anchorCtr="0">
+        <a:bodyPr spcFirstLastPara="0" vert="horz" wrap="square" lIns="218243" tIns="187452" rIns="218243" bIns="64008" numCol="1" spcCol="1270" anchor="t" anchorCtr="0">
           <a:noAutofit/>
         </a:bodyPr>
         <a:lstStyle/>
         <a:p>
-          <a:pPr marL="57150" lvl="1" indent="-57150" algn="l" defTabSz="444500">
+          <a:pPr marL="57150" lvl="1" indent="-57150" algn="l" defTabSz="400050">
             <a:lnSpc>
               <a:spcPct val="90000"/>
             </a:lnSpc>
@@ -5169,12 +5207,12 @@
             <a:buChar char="•"/>
           </a:pPr>
           <a:r>
-            <a:rPr lang="en-US" sz="1000" kern="1200" dirty="0"/>
-            <a:t> 9 neoplastic</a:t>
+            <a:rPr lang="en-US" sz="900" kern="1200" dirty="0"/>
+            <a:t> 15 neoplastic</a:t>
           </a:r>
         </a:p>
         <a:p>
-          <a:pPr marL="57150" lvl="1" indent="-57150" algn="l" defTabSz="444500">
+          <a:pPr marL="57150" lvl="1" indent="-57150" algn="l" defTabSz="400050">
             <a:lnSpc>
               <a:spcPct val="90000"/>
             </a:lnSpc>
@@ -5187,12 +5225,12 @@
             <a:buChar char="•"/>
           </a:pPr>
           <a:r>
-            <a:rPr lang="en-US" sz="1000" kern="1200" dirty="0"/>
-            <a:t> 19 psychiatric</a:t>
+            <a:rPr lang="en-US" sz="900" kern="1200" dirty="0"/>
+            <a:t> 20 psychiatric</a:t>
           </a:r>
         </a:p>
         <a:p>
-          <a:pPr marL="57150" lvl="1" indent="-57150" algn="l" defTabSz="444500">
+          <a:pPr marL="57150" lvl="1" indent="-57150" algn="l" defTabSz="400050">
             <a:lnSpc>
               <a:spcPct val="90000"/>
             </a:lnSpc>
@@ -5205,12 +5243,12 @@
             <a:buChar char="•"/>
           </a:pPr>
           <a:r>
-            <a:rPr lang="en-US" sz="1000" kern="1200" dirty="0"/>
-            <a:t> 45 inflammatory</a:t>
+            <a:rPr lang="en-US" sz="900" kern="1200" dirty="0"/>
+            <a:t> 50 inflammatory</a:t>
           </a:r>
         </a:p>
         <a:p>
-          <a:pPr marL="57150" lvl="1" indent="-57150" algn="l" defTabSz="444500">
+          <a:pPr marL="57150" lvl="1" indent="-57150" algn="l" defTabSz="400050">
             <a:lnSpc>
               <a:spcPct val="90000"/>
             </a:lnSpc>
@@ -5223,12 +5261,12 @@
             <a:buChar char="•"/>
           </a:pPr>
           <a:r>
-            <a:rPr lang="en-US" sz="1000" kern="1200" dirty="0"/>
-            <a:t> 6 cardiovascular</a:t>
+            <a:rPr lang="en-US" sz="900" kern="1200" dirty="0"/>
+            <a:t> 11 cardiovascular</a:t>
           </a:r>
         </a:p>
         <a:p>
-          <a:pPr marL="57150" lvl="1" indent="-57150" algn="l" defTabSz="444500">
+          <a:pPr marL="57150" lvl="1" indent="-57150" algn="l" defTabSz="400050">
             <a:lnSpc>
               <a:spcPct val="90000"/>
             </a:lnSpc>
@@ -5241,12 +5279,12 @@
             <a:buChar char="•"/>
           </a:pPr>
           <a:r>
-            <a:rPr lang="en-US" sz="1000" kern="1200" dirty="0"/>
-            <a:t> 4 diabetic</a:t>
+            <a:rPr lang="en-US" sz="900" kern="1200" dirty="0"/>
+            <a:t> 5 diabetic</a:t>
           </a:r>
         </a:p>
         <a:p>
-          <a:pPr marL="57150" lvl="1" indent="-57150" algn="l" defTabSz="444500">
+          <a:pPr marL="57150" lvl="1" indent="-57150" algn="l" defTabSz="400050">
             <a:lnSpc>
               <a:spcPct val="90000"/>
             </a:lnSpc>
@@ -5259,14 +5297,14 @@
             <a:buChar char="•"/>
           </a:pPr>
           <a:r>
-            <a:rPr lang="en-US" sz="1000" kern="1200" dirty="0"/>
-            <a:t> 6 other</a:t>
+            <a:rPr lang="en-US" sz="900" kern="1200" dirty="0"/>
+            <a:t> 22 other</a:t>
           </a:r>
         </a:p>
       </dsp:txBody>
       <dsp:txXfrm>
-        <a:off x="0" y="218988"/>
-        <a:ext cx="1908114" cy="1260000"/>
+        <a:off x="0" y="375409"/>
+        <a:ext cx="1908114" cy="1134000"/>
       </dsp:txXfrm>
     </dsp:sp>
     <dsp:sp modelId="{57E2818A-D4E2-2E44-BE4D-DA6060C161A8}">
@@ -5276,8 +5314,8 @@
       </dsp:nvSpPr>
       <dsp:spPr>
         <a:xfrm>
-          <a:off x="140600" y="71388"/>
-          <a:ext cx="1968404" cy="295200"/>
+          <a:off x="140600" y="242569"/>
+          <a:ext cx="1968404" cy="265680"/>
         </a:xfrm>
         <a:prstGeom prst="roundRect">
           <a:avLst/>
@@ -5314,7 +5352,7 @@
         </a:bodyPr>
         <a:lstStyle/>
         <a:p>
-          <a:pPr marL="0" lvl="0" indent="0" algn="l" defTabSz="444500">
+          <a:pPr marL="0" lvl="0" indent="0" algn="l" defTabSz="400050">
             <a:lnSpc>
               <a:spcPct val="90000"/>
             </a:lnSpc>
@@ -5327,18 +5365,18 @@
             <a:buNone/>
           </a:pPr>
           <a:r>
-            <a:rPr lang="en-US" sz="1000" b="1" kern="1200" dirty="0">
+            <a:rPr lang="en-US" sz="900" b="1" kern="1200" dirty="0">
               <a:latin typeface="Helvetica" charset="0"/>
               <a:ea typeface="Helvetica" charset="0"/>
               <a:cs typeface="Helvetica" charset="0"/>
             </a:rPr>
-            <a:t>89 complex diseases</a:t>
+            <a:t>123 complex diseases</a:t>
           </a:r>
         </a:p>
       </dsp:txBody>
       <dsp:txXfrm>
-        <a:off x="155010" y="85798"/>
-        <a:ext cx="1939584" cy="266380"/>
+        <a:off x="153569" y="255538"/>
+        <a:ext cx="1942466" cy="239742"/>
       </dsp:txXfrm>
     </dsp:sp>
     <dsp:sp modelId="{5C533EDB-1304-4546-86AE-FC5D5B540481}">
@@ -5348,7 +5386,7 @@
       </dsp:nvSpPr>
       <dsp:spPr>
         <a:xfrm>
-          <a:off x="0" y="1680588"/>
+          <a:off x="0" y="1690849"/>
           <a:ext cx="1929148" cy="1417500"/>
         </a:xfrm>
         <a:prstGeom prst="rect">
@@ -5390,12 +5428,12 @@
         <a:fontRef idx="minor"/>
       </dsp:style>
       <dsp:txBody>
-        <a:bodyPr spcFirstLastPara="0" vert="horz" wrap="square" lIns="218243" tIns="208280" rIns="218243" bIns="71120" numCol="1" spcCol="1270" anchor="t" anchorCtr="0">
+        <a:bodyPr spcFirstLastPara="0" vert="horz" wrap="square" lIns="218243" tIns="187452" rIns="218243" bIns="64008" numCol="1" spcCol="1270" anchor="t" anchorCtr="0">
           <a:noAutofit/>
         </a:bodyPr>
         <a:lstStyle/>
         <a:p>
-          <a:pPr marL="57150" lvl="1" indent="-57150" algn="l" defTabSz="444500">
+          <a:pPr marL="57150" lvl="1" indent="-57150" algn="l" defTabSz="400050">
             <a:lnSpc>
               <a:spcPct val="90000"/>
             </a:lnSpc>
@@ -5408,12 +5446,12 @@
             <a:buChar char="•"/>
           </a:pPr>
           <a:r>
-            <a:rPr lang="en-US" sz="1000" kern="1200" dirty="0"/>
-            <a:t> 75 anthropometric</a:t>
+            <a:rPr lang="en-US" sz="900" kern="1200" dirty="0"/>
+            <a:t> 91 anthropometric</a:t>
           </a:r>
         </a:p>
         <a:p>
-          <a:pPr marL="57150" lvl="1" indent="-57150" algn="l" defTabSz="444500">
+          <a:pPr marL="57150" lvl="1" indent="-57150" algn="l" defTabSz="400050">
             <a:lnSpc>
               <a:spcPct val="90000"/>
             </a:lnSpc>
@@ -5426,17 +5464,17 @@
             <a:buChar char="•"/>
           </a:pPr>
           <a:r>
-            <a:rPr lang="en-US" sz="1000" kern="1200" dirty="0"/>
-            <a:t> 6 </a:t>
+            <a:rPr lang="en-US" sz="900" kern="1200" dirty="0"/>
+            <a:t> 5 </a:t>
           </a:r>
           <a:r>
-            <a:rPr lang="en-US" sz="1000" kern="1200" dirty="0" err="1"/>
+            <a:rPr lang="en-US" sz="900" kern="1200" dirty="0" err="1"/>
             <a:t>behavioural</a:t>
           </a:r>
-          <a:endParaRPr lang="en-US" sz="1000" kern="1200" dirty="0"/>
-        </a:p>
-        <a:p>
-          <a:pPr marL="57150" lvl="1" indent="-57150" algn="l" defTabSz="444500">
+          <a:endParaRPr lang="en-US" sz="900" kern="1200" dirty="0"/>
+        </a:p>
+        <a:p>
+          <a:pPr marL="57150" lvl="1" indent="-57150" algn="l" defTabSz="400050">
             <a:lnSpc>
               <a:spcPct val="90000"/>
             </a:lnSpc>
@@ -5449,17 +5487,17 @@
             <a:buChar char="•"/>
           </a:pPr>
           <a:r>
-            <a:rPr lang="en-US" sz="1000" kern="1200" dirty="0"/>
+            <a:rPr lang="en-US" sz="900" kern="1200" dirty="0"/>
             <a:t> 24 </a:t>
           </a:r>
           <a:r>
-            <a:rPr lang="en-US" sz="1000" kern="1200" dirty="0" err="1"/>
+            <a:rPr lang="en-US" sz="900" kern="1200" dirty="0" err="1"/>
             <a:t>glycaemic</a:t>
           </a:r>
-          <a:endParaRPr lang="en-US" sz="1000" kern="1200" dirty="0"/>
-        </a:p>
-        <a:p>
-          <a:pPr marL="57150" lvl="1" indent="-57150" algn="l" defTabSz="444500">
+          <a:endParaRPr lang="en-US" sz="900" kern="1200" dirty="0"/>
+        </a:p>
+        <a:p>
+          <a:pPr marL="57150" lvl="1" indent="-57150" algn="l" defTabSz="400050">
             <a:lnSpc>
               <a:spcPct val="90000"/>
             </a:lnSpc>
@@ -5472,12 +5510,12 @@
             <a:buChar char="•"/>
           </a:pPr>
           <a:r>
-            <a:rPr lang="en-US" sz="1000" kern="1200" dirty="0"/>
+            <a:rPr lang="en-US" sz="900" kern="1200" dirty="0"/>
             <a:t> 9 lipid</a:t>
           </a:r>
         </a:p>
         <a:p>
-          <a:pPr marL="57150" lvl="1" indent="-57150" algn="l" defTabSz="444500">
+          <a:pPr marL="57150" lvl="1" indent="-57150" algn="l" defTabSz="400050">
             <a:lnSpc>
               <a:spcPct val="90000"/>
             </a:lnSpc>
@@ -5490,12 +5528,12 @@
             <a:buChar char="•"/>
           </a:pPr>
           <a:r>
-            <a:rPr lang="en-US" sz="1000" kern="1200" dirty="0"/>
+            <a:rPr lang="en-US" sz="900" kern="1200" dirty="0"/>
             <a:t> 4 blood pressure</a:t>
           </a:r>
         </a:p>
         <a:p>
-          <a:pPr marL="57150" lvl="1" indent="-57150" algn="l" defTabSz="444500">
+          <a:pPr marL="57150" lvl="1" indent="-57150" algn="l" defTabSz="400050">
             <a:lnSpc>
               <a:spcPct val="90000"/>
             </a:lnSpc>
@@ -5508,17 +5546,17 @@
             <a:buChar char="•"/>
           </a:pPr>
           <a:r>
-            <a:rPr lang="en-US" sz="1000" kern="1200" dirty="0"/>
-            <a:t> 6 </a:t>
+            <a:rPr lang="en-US" sz="900" kern="1200" dirty="0"/>
+            <a:t> 8 </a:t>
           </a:r>
           <a:r>
-            <a:rPr lang="en-US" sz="1000" kern="1200" dirty="0" err="1"/>
+            <a:rPr lang="en-US" sz="900" kern="1200" dirty="0" err="1"/>
             <a:t>haemotological</a:t>
           </a:r>
-          <a:endParaRPr lang="en-US" sz="1000" kern="1200" dirty="0"/>
-        </a:p>
-        <a:p>
-          <a:pPr marL="57150" lvl="1" indent="-57150" algn="l" defTabSz="444500">
+          <a:endParaRPr lang="en-US" sz="900" kern="1200" dirty="0"/>
+        </a:p>
+        <a:p>
+          <a:pPr marL="57150" lvl="1" indent="-57150" algn="l" defTabSz="400050">
             <a:lnSpc>
               <a:spcPct val="90000"/>
             </a:lnSpc>
@@ -5531,13 +5569,31 @@
             <a:buChar char="•"/>
           </a:pPr>
           <a:r>
-            <a:rPr lang="en-US" sz="1000" kern="1200" dirty="0"/>
-            <a:t> 30 other</a:t>
+            <a:rPr lang="en-US" sz="900" kern="1200" dirty="0"/>
+            <a:t> 17 education</a:t>
+          </a:r>
+        </a:p>
+        <a:p>
+          <a:pPr marL="57150" lvl="1" indent="-57150" algn="l" defTabSz="400050">
+            <a:lnSpc>
+              <a:spcPct val="90000"/>
+            </a:lnSpc>
+            <a:spcBef>
+              <a:spcPct val="0"/>
+            </a:spcBef>
+            <a:spcAft>
+              <a:spcPct val="15000"/>
+            </a:spcAft>
+            <a:buChar char="•"/>
+          </a:pPr>
+          <a:r>
+            <a:rPr lang="en-US" sz="900" kern="1200" dirty="0"/>
+            <a:t> 61 other</a:t>
           </a:r>
         </a:p>
       </dsp:txBody>
       <dsp:txXfrm>
-        <a:off x="0" y="1680588"/>
+        <a:off x="0" y="1690849"/>
         <a:ext cx="1929148" cy="1417500"/>
       </dsp:txXfrm>
     </dsp:sp>
@@ -5548,8 +5604,8 @@
       </dsp:nvSpPr>
       <dsp:spPr>
         <a:xfrm>
-          <a:off x="140600" y="1532988"/>
-          <a:ext cx="1968404" cy="295200"/>
+          <a:off x="140600" y="1558009"/>
+          <a:ext cx="1968404" cy="265680"/>
         </a:xfrm>
         <a:prstGeom prst="roundRect">
           <a:avLst/>
@@ -5586,7 +5642,7 @@
         </a:bodyPr>
         <a:lstStyle/>
         <a:p>
-          <a:pPr marL="0" lvl="0" indent="0" algn="l" defTabSz="444500">
+          <a:pPr marL="0" lvl="0" indent="0" algn="l" defTabSz="400050">
             <a:lnSpc>
               <a:spcPct val="90000"/>
             </a:lnSpc>
@@ -5599,18 +5655,18 @@
             <a:buNone/>
           </a:pPr>
           <a:r>
-            <a:rPr lang="en-US" sz="1000" b="1" kern="1200" dirty="0">
+            <a:rPr lang="en-US" sz="900" b="1" kern="1200" dirty="0">
               <a:latin typeface="Helvetica" charset="0"/>
               <a:ea typeface="Helvetica" charset="0"/>
               <a:cs typeface="Helvetica" charset="0"/>
             </a:rPr>
-            <a:t>154 complex traits</a:t>
+            <a:t>219 complex traits</a:t>
           </a:r>
         </a:p>
       </dsp:txBody>
       <dsp:txXfrm>
-        <a:off x="155010" y="1547398"/>
-        <a:ext cx="1939584" cy="266380"/>
+        <a:off x="153569" y="1570978"/>
+        <a:ext cx="1942466" cy="239742"/>
       </dsp:txXfrm>
     </dsp:sp>
     <dsp:sp modelId="{532CE19D-63BD-3848-8CE7-E529440806B3}">
@@ -5620,8 +5676,8 @@
       </dsp:nvSpPr>
       <dsp:spPr>
         <a:xfrm>
-          <a:off x="0" y="3299689"/>
-          <a:ext cx="342586" cy="252000"/>
+          <a:off x="0" y="3289789"/>
+          <a:ext cx="342586" cy="226800"/>
         </a:xfrm>
         <a:prstGeom prst="rect">
           <a:avLst/>
@@ -5662,8 +5718,8 @@
       </dsp:nvSpPr>
       <dsp:spPr>
         <a:xfrm>
-          <a:off x="140600" y="3152088"/>
-          <a:ext cx="1968404" cy="295200"/>
+          <a:off x="140600" y="3156949"/>
+          <a:ext cx="1968404" cy="265680"/>
         </a:xfrm>
         <a:prstGeom prst="roundRect">
           <a:avLst/>
@@ -5700,7 +5756,7 @@
         </a:bodyPr>
         <a:lstStyle/>
         <a:p>
-          <a:pPr marL="0" lvl="0" indent="0" algn="l" defTabSz="444500">
+          <a:pPr marL="0" lvl="0" indent="0" algn="l" defTabSz="400050">
             <a:lnSpc>
               <a:spcPct val="90000"/>
             </a:lnSpc>
@@ -5713,7 +5769,7 @@
             <a:buNone/>
           </a:pPr>
           <a:r>
-            <a:rPr lang="en-US" sz="1000" b="1" kern="1200" dirty="0">
+            <a:rPr lang="en-US" sz="900" b="1" kern="1200" dirty="0">
               <a:latin typeface="Helvetica" charset="0"/>
               <a:ea typeface="Helvetica" charset="0"/>
               <a:cs typeface="Helvetica" charset="0"/>
@@ -5723,8 +5779,8 @@
         </a:p>
       </dsp:txBody>
       <dsp:txXfrm>
-        <a:off x="155010" y="3166498"/>
-        <a:ext cx="1939584" cy="266380"/>
+        <a:off x="153569" y="3169918"/>
+        <a:ext cx="1942466" cy="239742"/>
       </dsp:txXfrm>
     </dsp:sp>
     <dsp:sp modelId="{EC9FC85A-B7D5-DB40-9DDD-B9B6103DDA52}">
@@ -5734,8 +5790,8 @@
       </dsp:nvSpPr>
       <dsp:spPr>
         <a:xfrm>
-          <a:off x="0" y="3753289"/>
-          <a:ext cx="342586" cy="252000"/>
+          <a:off x="0" y="3698029"/>
+          <a:ext cx="342586" cy="226800"/>
         </a:xfrm>
         <a:prstGeom prst="rect">
           <a:avLst/>
@@ -5776,8 +5832,8 @@
       </dsp:nvSpPr>
       <dsp:spPr>
         <a:xfrm>
-          <a:off x="140600" y="3605689"/>
-          <a:ext cx="1968404" cy="295200"/>
+          <a:off x="140600" y="3565189"/>
+          <a:ext cx="1968404" cy="265680"/>
         </a:xfrm>
         <a:prstGeom prst="roundRect">
           <a:avLst/>
@@ -5814,7 +5870,7 @@
         </a:bodyPr>
         <a:lstStyle/>
         <a:p>
-          <a:pPr marL="0" lvl="0" indent="0" algn="l" defTabSz="444500">
+          <a:pPr marL="0" lvl="0" indent="0" algn="l" defTabSz="400050">
             <a:lnSpc>
               <a:spcPct val="90000"/>
             </a:lnSpc>
@@ -5827,7 +5883,7 @@
             <a:buNone/>
           </a:pPr>
           <a:r>
-            <a:rPr lang="en-US" sz="1000" b="1" kern="1200" dirty="0">
+            <a:rPr lang="en-US" sz="900" b="1" kern="1200" dirty="0">
               <a:latin typeface="Helvetica" charset="0"/>
               <a:ea typeface="Helvetica" charset="0"/>
               <a:cs typeface="Helvetica" charset="0"/>
@@ -5837,8 +5893,8 @@
         </a:p>
       </dsp:txBody>
       <dsp:txXfrm>
-        <a:off x="155010" y="3620099"/>
-        <a:ext cx="1939584" cy="266380"/>
+        <a:off x="153569" y="3578158"/>
+        <a:ext cx="1942466" cy="239742"/>
       </dsp:txXfrm>
     </dsp:sp>
     <dsp:sp modelId="{3E017274-0D8C-824A-9DD3-65061B7E8E14}">
@@ -5848,8 +5904,8 @@
       </dsp:nvSpPr>
       <dsp:spPr>
         <a:xfrm>
-          <a:off x="0" y="4206889"/>
-          <a:ext cx="342586" cy="252000"/>
+          <a:off x="0" y="4106269"/>
+          <a:ext cx="342586" cy="226800"/>
         </a:xfrm>
         <a:prstGeom prst="rect">
           <a:avLst/>
@@ -5890,8 +5946,8 @@
       </dsp:nvSpPr>
       <dsp:spPr>
         <a:xfrm>
-          <a:off x="140600" y="4059289"/>
-          <a:ext cx="1968404" cy="295200"/>
+          <a:off x="140600" y="3973429"/>
+          <a:ext cx="1968404" cy="265680"/>
         </a:xfrm>
         <a:prstGeom prst="roundRect">
           <a:avLst/>
@@ -5928,7 +5984,7 @@
         </a:bodyPr>
         <a:lstStyle/>
         <a:p>
-          <a:pPr marL="0" lvl="0" indent="0" algn="l" defTabSz="444500">
+          <a:pPr marL="0" lvl="0" indent="0" algn="l" defTabSz="400050">
             <a:lnSpc>
               <a:spcPct val="90000"/>
             </a:lnSpc>
@@ -5941,18 +5997,18 @@
             <a:buNone/>
           </a:pPr>
           <a:r>
-            <a:rPr lang="en-US" sz="1000" b="1" kern="1200" dirty="0">
+            <a:rPr lang="en-US" sz="900" b="1" kern="1200" dirty="0">
               <a:latin typeface="Helvetica" charset="0"/>
               <a:ea typeface="Helvetica" charset="0"/>
               <a:cs typeface="Helvetica" charset="0"/>
             </a:rPr>
-            <a:t>597 UK Biobank phenotypes</a:t>
+            <a:t>606 UK Biobank phenotypes</a:t>
           </a:r>
         </a:p>
       </dsp:txBody>
       <dsp:txXfrm>
-        <a:off x="155010" y="4073699"/>
-        <a:ext cx="1939584" cy="266380"/>
+        <a:off x="153569" y="3986398"/>
+        <a:ext cx="1942466" cy="239742"/>
       </dsp:txXfrm>
     </dsp:sp>
     <dsp:sp modelId="{B6AEE3EA-D707-214C-AE7E-621F96309DAA}">
@@ -5962,8 +6018,8 @@
       </dsp:nvSpPr>
       <dsp:spPr>
         <a:xfrm>
-          <a:off x="0" y="4660489"/>
-          <a:ext cx="342586" cy="252000"/>
+          <a:off x="0" y="4514508"/>
+          <a:ext cx="342586" cy="226800"/>
         </a:xfrm>
         <a:prstGeom prst="rect">
           <a:avLst/>
@@ -6004,8 +6060,8 @@
       </dsp:nvSpPr>
       <dsp:spPr>
         <a:xfrm>
-          <a:off x="140600" y="4512889"/>
-          <a:ext cx="1968404" cy="295200"/>
+          <a:off x="140600" y="4381669"/>
+          <a:ext cx="1968404" cy="265680"/>
         </a:xfrm>
         <a:prstGeom prst="roundRect">
           <a:avLst/>
@@ -6042,7 +6098,7 @@
         </a:bodyPr>
         <a:lstStyle/>
         <a:p>
-          <a:pPr marL="0" lvl="0" indent="0" algn="l" defTabSz="444500">
+          <a:pPr marL="0" lvl="0" indent="0" algn="l" defTabSz="400050">
             <a:lnSpc>
               <a:spcPct val="90000"/>
             </a:lnSpc>
@@ -6055,7 +6111,7 @@
             <a:buNone/>
           </a:pPr>
           <a:r>
-            <a:rPr lang="en-US" sz="1000" b="1" kern="1200" dirty="0">
+            <a:rPr lang="en-US" sz="900" b="1" kern="1200" dirty="0">
               <a:latin typeface="Helvetica" charset="0"/>
               <a:ea typeface="Helvetica" charset="0"/>
               <a:cs typeface="Helvetica" charset="0"/>
@@ -6065,8 +6121,8 @@
         </a:p>
       </dsp:txBody>
       <dsp:txXfrm>
-        <a:off x="155010" y="4527299"/>
-        <a:ext cx="1939584" cy="266380"/>
+        <a:off x="153569" y="4394638"/>
+        <a:ext cx="1942466" cy="239742"/>
       </dsp:txXfrm>
     </dsp:sp>
   </dsp:spTree>
@@ -8654,7 +8710,7 @@
           <a:p>
             <a:fld id="{6A68CF42-6A76-F346-8424-3E5394D57786}" type="datetimeFigureOut">
               <a:rPr lang="en-US" smtClean="0"/>
-              <a:t>5/5/18</a:t>
+              <a:t>5/8/18</a:t>
             </a:fld>
             <a:endParaRPr lang="en-US"/>
           </a:p>
@@ -9134,7 +9190,7 @@
           <a:p>
             <a:fld id="{144EC93C-999E-1240-B74E-7455B0C79F27}" type="datetimeFigureOut">
               <a:rPr lang="en-US" smtClean="0"/>
-              <a:t>5/5/18</a:t>
+              <a:t>5/8/18</a:t>
             </a:fld>
             <a:endParaRPr lang="en-US"/>
           </a:p>
@@ -9302,7 +9358,7 @@
           <a:p>
             <a:fld id="{144EC93C-999E-1240-B74E-7455B0C79F27}" type="datetimeFigureOut">
               <a:rPr lang="en-US" smtClean="0"/>
-              <a:t>5/5/18</a:t>
+              <a:t>5/8/18</a:t>
             </a:fld>
             <a:endParaRPr lang="en-US"/>
           </a:p>
@@ -9480,7 +9536,7 @@
           <a:p>
             <a:fld id="{144EC93C-999E-1240-B74E-7455B0C79F27}" type="datetimeFigureOut">
               <a:rPr lang="en-US" smtClean="0"/>
-              <a:t>5/5/18</a:t>
+              <a:t>5/8/18</a:t>
             </a:fld>
             <a:endParaRPr lang="en-US"/>
           </a:p>
@@ -9648,7 +9704,7 @@
           <a:p>
             <a:fld id="{144EC93C-999E-1240-B74E-7455B0C79F27}" type="datetimeFigureOut">
               <a:rPr lang="en-US" smtClean="0"/>
-              <a:t>5/5/18</a:t>
+              <a:t>5/8/18</a:t>
             </a:fld>
             <a:endParaRPr lang="en-US"/>
           </a:p>
@@ -9893,7 +9949,7 @@
           <a:p>
             <a:fld id="{144EC93C-999E-1240-B74E-7455B0C79F27}" type="datetimeFigureOut">
               <a:rPr lang="en-US" smtClean="0"/>
-              <a:t>5/5/18</a:t>
+              <a:t>5/8/18</a:t>
             </a:fld>
             <a:endParaRPr lang="en-US"/>
           </a:p>
@@ -10122,7 +10178,7 @@
           <a:p>
             <a:fld id="{144EC93C-999E-1240-B74E-7455B0C79F27}" type="datetimeFigureOut">
               <a:rPr lang="en-US" smtClean="0"/>
-              <a:t>5/5/18</a:t>
+              <a:t>5/8/18</a:t>
             </a:fld>
             <a:endParaRPr lang="en-US"/>
           </a:p>
@@ -10486,7 +10542,7 @@
           <a:p>
             <a:fld id="{144EC93C-999E-1240-B74E-7455B0C79F27}" type="datetimeFigureOut">
               <a:rPr lang="en-US" smtClean="0"/>
-              <a:t>5/5/18</a:t>
+              <a:t>5/8/18</a:t>
             </a:fld>
             <a:endParaRPr lang="en-US"/>
           </a:p>
@@ -10603,7 +10659,7 @@
           <a:p>
             <a:fld id="{144EC93C-999E-1240-B74E-7455B0C79F27}" type="datetimeFigureOut">
               <a:rPr lang="en-US" smtClean="0"/>
-              <a:t>5/5/18</a:t>
+              <a:t>5/8/18</a:t>
             </a:fld>
             <a:endParaRPr lang="en-US"/>
           </a:p>
@@ -10698,7 +10754,7 @@
           <a:p>
             <a:fld id="{144EC93C-999E-1240-B74E-7455B0C79F27}" type="datetimeFigureOut">
               <a:rPr lang="en-US" smtClean="0"/>
-              <a:t>5/5/18</a:t>
+              <a:t>5/8/18</a:t>
             </a:fld>
             <a:endParaRPr lang="en-US"/>
           </a:p>
@@ -10973,7 +11029,7 @@
           <a:p>
             <a:fld id="{144EC93C-999E-1240-B74E-7455B0C79F27}" type="datetimeFigureOut">
               <a:rPr lang="en-US" smtClean="0"/>
-              <a:t>5/5/18</a:t>
+              <a:t>5/8/18</a:t>
             </a:fld>
             <a:endParaRPr lang="en-US"/>
           </a:p>
@@ -11225,7 +11281,7 @@
           <a:p>
             <a:fld id="{144EC93C-999E-1240-B74E-7455B0C79F27}" type="datetimeFigureOut">
               <a:rPr lang="en-US" smtClean="0"/>
-              <a:t>5/5/18</a:t>
+              <a:t>5/8/18</a:t>
             </a:fld>
             <a:endParaRPr lang="en-US"/>
           </a:p>
@@ -11436,7 +11492,7 @@
           <a:p>
             <a:fld id="{144EC93C-999E-1240-B74E-7455B0C79F27}" type="datetimeFigureOut">
               <a:rPr lang="en-US" smtClean="0"/>
-              <a:t>5/5/18</a:t>
+              <a:t>5/8/18</a:t>
             </a:fld>
             <a:endParaRPr lang="en-US"/>
           </a:p>
@@ -11970,7 +12026,7 @@
           <p:nvPr>
             <p:extLst>
               <p:ext uri="{D42A27DB-BD31-4B8C-83A1-F6EECF244321}">
-                <p14:modId xmlns:p14="http://schemas.microsoft.com/office/powerpoint/2010/main" val="1302135101"/>
+                <p14:modId xmlns:p14="http://schemas.microsoft.com/office/powerpoint/2010/main" val="3939067563"/>
               </p:ext>
             </p:extLst>
           </p:nvPr>
@@ -12028,7 +12084,7 @@
           <p:nvPr>
             <p:extLst>
               <p:ext uri="{D42A27DB-BD31-4B8C-83A1-F6EECF244321}">
-                <p14:modId xmlns:p14="http://schemas.microsoft.com/office/powerpoint/2010/main" val="2128161766"/>
+                <p14:modId xmlns:p14="http://schemas.microsoft.com/office/powerpoint/2010/main" val="1303330643"/>
               </p:ext>
             </p:extLst>
           </p:nvPr>
